--- a/Docs/20190625_졸업논문 최종발표/0625 논문 최종발표_final.pptx
+++ b/Docs/20190625_졸업논문 최종발표/0625 논문 최종발표_final.pptx
@@ -1133,6 +1133,14 @@
         </dgm:presLayoutVars>
       </dgm:prSet>
       <dgm:spPr/>
+      <dgm:t>
+        <a:bodyPr/>
+        <a:lstStyle/>
+        <a:p>
+          <a:pPr latinLnBrk="1"/>
+          <a:endParaRPr lang="ko-KR" altLang="en-US"/>
+        </a:p>
+      </dgm:t>
     </dgm:pt>
     <dgm:pt modelId="{0B154CF7-B259-450D-AA7C-DAB0A76A660E}" type="pres">
       <dgm:prSet presAssocID="{68BB556C-673B-433B-92D3-B30E3E43F63A}" presName="Name1" presStyleCnt="0"/>
@@ -1149,6 +1157,14 @@
     <dgm:pt modelId="{40373EC0-2083-4C01-A91E-86C80571EB71}" type="pres">
       <dgm:prSet presAssocID="{68BB556C-673B-433B-92D3-B30E3E43F63A}" presName="conn" presStyleLbl="parChTrans1D2" presStyleIdx="0" presStyleCnt="1"/>
       <dgm:spPr/>
+      <dgm:t>
+        <a:bodyPr/>
+        <a:lstStyle/>
+        <a:p>
+          <a:pPr latinLnBrk="1"/>
+          <a:endParaRPr lang="ko-KR" altLang="en-US"/>
+        </a:p>
+      </dgm:t>
     </dgm:pt>
     <dgm:pt modelId="{8B27F366-0D51-4930-8938-9E981D2984D7}" type="pres">
       <dgm:prSet presAssocID="{68BB556C-673B-433B-92D3-B30E3E43F63A}" presName="extraNode" presStyleLbl="node1" presStyleIdx="0" presStyleCnt="3"/>
@@ -1165,6 +1181,14 @@
         </dgm:presLayoutVars>
       </dgm:prSet>
       <dgm:spPr/>
+      <dgm:t>
+        <a:bodyPr/>
+        <a:lstStyle/>
+        <a:p>
+          <a:pPr latinLnBrk="1"/>
+          <a:endParaRPr lang="ko-KR" altLang="en-US"/>
+        </a:p>
+      </dgm:t>
     </dgm:pt>
     <dgm:pt modelId="{FCBB6759-BE93-4868-980D-9B876E8FD513}" type="pres">
       <dgm:prSet presAssocID="{BCE60EB9-9EF7-4A3D-B55B-F48BEBBF3D5E}" presName="accent_1" presStyleCnt="0"/>
@@ -1181,6 +1205,14 @@
         </dgm:presLayoutVars>
       </dgm:prSet>
       <dgm:spPr/>
+      <dgm:t>
+        <a:bodyPr/>
+        <a:lstStyle/>
+        <a:p>
+          <a:pPr latinLnBrk="1"/>
+          <a:endParaRPr lang="ko-KR" altLang="en-US"/>
+        </a:p>
+      </dgm:t>
     </dgm:pt>
     <dgm:pt modelId="{53EAD787-B125-40B9-8D7A-E351C67DD9BB}" type="pres">
       <dgm:prSet presAssocID="{EBAB9701-3918-4D08-8C6D-15182FE3F33E}" presName="accent_2" presStyleCnt="0"/>
@@ -1197,6 +1229,14 @@
         </dgm:presLayoutVars>
       </dgm:prSet>
       <dgm:spPr/>
+      <dgm:t>
+        <a:bodyPr/>
+        <a:lstStyle/>
+        <a:p>
+          <a:pPr latinLnBrk="1"/>
+          <a:endParaRPr lang="ko-KR" altLang="en-US"/>
+        </a:p>
+      </dgm:t>
     </dgm:pt>
     <dgm:pt modelId="{F096F63D-7597-40E6-BEDE-D2D358605814}" type="pres">
       <dgm:prSet presAssocID="{CC9679E7-8AC0-49BD-B3DD-32D2F894D6D4}" presName="accent_3" presStyleCnt="0"/>
@@ -1208,14 +1248,14 @@
     </dgm:pt>
   </dgm:ptLst>
   <dgm:cxnLst>
+    <dgm:cxn modelId="{7E344A34-4907-4F16-BAC1-D11671FA799A}" srcId="{68BB556C-673B-433B-92D3-B30E3E43F63A}" destId="{BCE60EB9-9EF7-4A3D-B55B-F48BEBBF3D5E}" srcOrd="0" destOrd="0" parTransId="{6A90220A-D3B2-40BE-9D57-ED489E4E3D7E}" sibTransId="{8B636A2A-BE0C-4145-BEA1-AE92064C6A0A}"/>
+    <dgm:cxn modelId="{429BDAB5-C69A-4112-AAFF-1BB295D67D70}" type="presOf" srcId="{CC9679E7-8AC0-49BD-B3DD-32D2F894D6D4}" destId="{9E80A869-436A-4734-8366-2EE1E1F4E698}" srcOrd="0" destOrd="0" presId="urn:microsoft.com/office/officeart/2008/layout/VerticalCurvedList"/>
+    <dgm:cxn modelId="{9BDCCD30-4FE3-4779-87CC-6947C02FDC6C}" type="presOf" srcId="{68BB556C-673B-433B-92D3-B30E3E43F63A}" destId="{74B18B1A-C845-4997-8B33-1909DAA22835}" srcOrd="0" destOrd="0" presId="urn:microsoft.com/office/officeart/2008/layout/VerticalCurvedList"/>
+    <dgm:cxn modelId="{E028DF42-5909-4266-8287-5AE482C65BFC}" type="presOf" srcId="{BCE60EB9-9EF7-4A3D-B55B-F48BEBBF3D5E}" destId="{4355E57C-85B7-4006-A67E-B12DC771B081}" srcOrd="0" destOrd="0" presId="urn:microsoft.com/office/officeart/2008/layout/VerticalCurvedList"/>
+    <dgm:cxn modelId="{B1FF96C5-1A2A-4919-AF5B-C9D1B02262D7}" type="presOf" srcId="{EBAB9701-3918-4D08-8C6D-15182FE3F33E}" destId="{BD81B8D6-B875-4AE1-9BBB-45F64AACA1F9}" srcOrd="0" destOrd="0" presId="urn:microsoft.com/office/officeart/2008/layout/VerticalCurvedList"/>
     <dgm:cxn modelId="{7583B30E-5D9B-4A9B-B441-1CC3C1EF03B8}" type="presOf" srcId="{8B636A2A-BE0C-4145-BEA1-AE92064C6A0A}" destId="{40373EC0-2083-4C01-A91E-86C80571EB71}" srcOrd="0" destOrd="0" presId="urn:microsoft.com/office/officeart/2008/layout/VerticalCurvedList"/>
+    <dgm:cxn modelId="{B29396D1-9B16-4C55-9444-D822D1926C24}" srcId="{68BB556C-673B-433B-92D3-B30E3E43F63A}" destId="{EBAB9701-3918-4D08-8C6D-15182FE3F33E}" srcOrd="1" destOrd="0" parTransId="{37B377A3-03F6-4D0C-87FB-AB0B2B62B002}" sibTransId="{31037C1E-6E98-48DB-835F-1C23C8935BBB}"/>
     <dgm:cxn modelId="{FC9B1715-30C2-4EB7-8166-3774D2AAC6D7}" srcId="{68BB556C-673B-433B-92D3-B30E3E43F63A}" destId="{CC9679E7-8AC0-49BD-B3DD-32D2F894D6D4}" srcOrd="2" destOrd="0" parTransId="{BBC078D1-7E7B-434C-9748-B3892224863F}" sibTransId="{B5675528-0FE5-4E96-AC20-5139BABA76F7}"/>
-    <dgm:cxn modelId="{9BDCCD30-4FE3-4779-87CC-6947C02FDC6C}" type="presOf" srcId="{68BB556C-673B-433B-92D3-B30E3E43F63A}" destId="{74B18B1A-C845-4997-8B33-1909DAA22835}" srcOrd="0" destOrd="0" presId="urn:microsoft.com/office/officeart/2008/layout/VerticalCurvedList"/>
-    <dgm:cxn modelId="{7E344A34-4907-4F16-BAC1-D11671FA799A}" srcId="{68BB556C-673B-433B-92D3-B30E3E43F63A}" destId="{BCE60EB9-9EF7-4A3D-B55B-F48BEBBF3D5E}" srcOrd="0" destOrd="0" parTransId="{6A90220A-D3B2-40BE-9D57-ED489E4E3D7E}" sibTransId="{8B636A2A-BE0C-4145-BEA1-AE92064C6A0A}"/>
-    <dgm:cxn modelId="{E028DF42-5909-4266-8287-5AE482C65BFC}" type="presOf" srcId="{BCE60EB9-9EF7-4A3D-B55B-F48BEBBF3D5E}" destId="{4355E57C-85B7-4006-A67E-B12DC771B081}" srcOrd="0" destOrd="0" presId="urn:microsoft.com/office/officeart/2008/layout/VerticalCurvedList"/>
-    <dgm:cxn modelId="{429BDAB5-C69A-4112-AAFF-1BB295D67D70}" type="presOf" srcId="{CC9679E7-8AC0-49BD-B3DD-32D2F894D6D4}" destId="{9E80A869-436A-4734-8366-2EE1E1F4E698}" srcOrd="0" destOrd="0" presId="urn:microsoft.com/office/officeart/2008/layout/VerticalCurvedList"/>
-    <dgm:cxn modelId="{B1FF96C5-1A2A-4919-AF5B-C9D1B02262D7}" type="presOf" srcId="{EBAB9701-3918-4D08-8C6D-15182FE3F33E}" destId="{BD81B8D6-B875-4AE1-9BBB-45F64AACA1F9}" srcOrd="0" destOrd="0" presId="urn:microsoft.com/office/officeart/2008/layout/VerticalCurvedList"/>
-    <dgm:cxn modelId="{B29396D1-9B16-4C55-9444-D822D1926C24}" srcId="{68BB556C-673B-433B-92D3-B30E3E43F63A}" destId="{EBAB9701-3918-4D08-8C6D-15182FE3F33E}" srcOrd="1" destOrd="0" parTransId="{37B377A3-03F6-4D0C-87FB-AB0B2B62B002}" sibTransId="{31037C1E-6E98-48DB-835F-1C23C8935BBB}"/>
     <dgm:cxn modelId="{DB64D6B2-0458-410B-AE8B-EDDBD75B1E78}" type="presParOf" srcId="{74B18B1A-C845-4997-8B33-1909DAA22835}" destId="{0B154CF7-B259-450D-AA7C-DAB0A76A660E}" srcOrd="0" destOrd="0" presId="urn:microsoft.com/office/officeart/2008/layout/VerticalCurvedList"/>
     <dgm:cxn modelId="{A63853DA-0EDE-4453-8449-E481EA061CBC}" type="presParOf" srcId="{0B154CF7-B259-450D-AA7C-DAB0A76A660E}" destId="{86D5B6C1-467E-4E15-A606-511EFCE51A07}" srcOrd="0" destOrd="0" presId="urn:microsoft.com/office/officeart/2008/layout/VerticalCurvedList"/>
     <dgm:cxn modelId="{3A9B9B72-9474-489C-94BB-8A18DEADD68B}" type="presParOf" srcId="{86D5B6C1-467E-4E15-A606-511EFCE51A07}" destId="{FAE31EA7-6CAC-4544-8112-265B42C80952}" srcOrd="0" destOrd="0" presId="urn:microsoft.com/office/officeart/2008/layout/VerticalCurvedList"/>
@@ -1341,7 +1381,7 @@
         </a:bodyPr>
         <a:lstStyle/>
         <a:p>
-          <a:pPr marL="0" lvl="0" indent="0" algn="l" defTabSz="889000" latinLnBrk="1">
+          <a:pPr lvl="0" algn="l" defTabSz="889000" latinLnBrk="1">
             <a:lnSpc>
               <a:spcPct val="90000"/>
             </a:lnSpc>
@@ -1351,7 +1391,6 @@
             <a:spcAft>
               <a:spcPct val="35000"/>
             </a:spcAft>
-            <a:buNone/>
           </a:pPr>
           <a:r>
             <a:rPr lang="en-US" altLang="ko-KR" sz="2000" kern="1200" dirty="0" err="1">
@@ -1482,7 +1521,7 @@
         </a:bodyPr>
         <a:lstStyle/>
         <a:p>
-          <a:pPr marL="0" lvl="0" indent="0" algn="l" defTabSz="889000" latinLnBrk="1">
+          <a:pPr lvl="0" algn="l" defTabSz="889000" latinLnBrk="1">
             <a:lnSpc>
               <a:spcPct val="90000"/>
             </a:lnSpc>
@@ -1492,7 +1531,6 @@
             <a:spcAft>
               <a:spcPct val="35000"/>
             </a:spcAft>
-            <a:buNone/>
           </a:pPr>
           <a:r>
             <a:rPr lang="en-US" altLang="ko-KR" sz="2000" kern="1200" dirty="0" err="1">
@@ -1623,7 +1661,7 @@
         </a:bodyPr>
         <a:lstStyle/>
         <a:p>
-          <a:pPr marL="0" lvl="0" indent="0" algn="l" defTabSz="889000" latinLnBrk="1">
+          <a:pPr lvl="0" algn="l" defTabSz="889000" latinLnBrk="1">
             <a:lnSpc>
               <a:spcPct val="90000"/>
             </a:lnSpc>
@@ -1633,7 +1671,6 @@
             <a:spcAft>
               <a:spcPct val="35000"/>
             </a:spcAft>
-            <a:buNone/>
           </a:pPr>
           <a:r>
             <a:rPr lang="en-US" altLang="ko-KR" sz="2000" kern="1200" dirty="0" err="1">
@@ -30363,7 +30400,7 @@
               <a:buChar char="ü"/>
             </a:pPr>
             <a:r>
-              <a:rPr lang="en-US" altLang="ko-KR" sz="2400" dirty="0">
+              <a:rPr lang="en-US" altLang="ko-KR" sz="2400" dirty="0" smtClean="0">
                 <a:latin typeface="맑은 고딕"/>
                 <a:ea typeface="맑은 고딕"/>
                 <a:cs typeface="맑은 고딕"/>
@@ -30371,7 +30408,7 @@
               <a:t>SVM</a:t>
             </a:r>
             <a:r>
-              <a:rPr lang="ko-KR" altLang="en-US" sz="2400" dirty="0">
+              <a:rPr lang="ko-KR" altLang="en-US" sz="2400" smtClean="0">
                 <a:latin typeface="맑은 고딕"/>
                 <a:ea typeface="맑은 고딕"/>
                 <a:cs typeface="맑은 고딕"/>

--- a/Docs/20190625_졸업논문 최종발표/0625 논문 최종발표_final.pptx
+++ b/Docs/20190625_졸업논문 최종발표/0625 논문 최종발표_final.pptx
@@ -27384,8 +27384,8 @@
         </p:blipFill>
         <p:spPr>
           <a:xfrm>
-            <a:off x="5840687" y="2490088"/>
-            <a:ext cx="4829175" cy="2705100"/>
+            <a:off x="5840687" y="2247581"/>
+            <a:ext cx="5693165" cy="3189071"/>
           </a:xfrm>
           <a:prstGeom prst="rect">
             <a:avLst/>
@@ -28035,6 +28035,110 @@
           </a:fontRef>
         </p:style>
       </p:cxnSp>
+      <p:sp>
+        <p:nvSpPr>
+          <p:cNvPr id="29" name="직사각형 28">
+            <a:extLst>
+              <a:ext uri="{FF2B5EF4-FFF2-40B4-BE49-F238E27FC236}">
+                <a16:creationId xmlns:a16="http://schemas.microsoft.com/office/drawing/2014/main" id="{E62D10B7-8C0A-492E-88D0-FF4801F1A826}"/>
+              </a:ext>
+            </a:extLst>
+          </p:cNvPr>
+          <p:cNvSpPr/>
+          <p:nvPr/>
+        </p:nvSpPr>
+        <p:spPr>
+          <a:xfrm>
+            <a:off x="5921833" y="3260469"/>
+            <a:ext cx="2439269" cy="202897"/>
+          </a:xfrm>
+          <a:prstGeom prst="rect">
+            <a:avLst/>
+          </a:prstGeom>
+          <a:noFill/>
+          <a:ln w="28575">
+            <a:solidFill>
+              <a:srgbClr val="FF0000"/>
+            </a:solidFill>
+          </a:ln>
+        </p:spPr>
+        <p:style>
+          <a:lnRef idx="2">
+            <a:schemeClr val="accent1">
+              <a:shade val="50000"/>
+            </a:schemeClr>
+          </a:lnRef>
+          <a:fillRef idx="1">
+            <a:schemeClr val="accent1"/>
+          </a:fillRef>
+          <a:effectRef idx="0">
+            <a:schemeClr val="accent1"/>
+          </a:effectRef>
+          <a:fontRef idx="minor">
+            <a:schemeClr val="lt1"/>
+          </a:fontRef>
+        </p:style>
+        <p:txBody>
+          <a:bodyPr rtlCol="0" anchor="ctr"/>
+          <a:lstStyle/>
+          <a:p>
+            <a:pPr algn="ctr"/>
+            <a:endParaRPr lang="ko-KR" altLang="en-US" dirty="0"/>
+          </a:p>
+        </p:txBody>
+      </p:sp>
+      <p:sp>
+        <p:nvSpPr>
+          <p:cNvPr id="31" name="직사각형 30">
+            <a:extLst>
+              <a:ext uri="{FF2B5EF4-FFF2-40B4-BE49-F238E27FC236}">
+                <a16:creationId xmlns:a16="http://schemas.microsoft.com/office/drawing/2014/main" id="{E62D10B7-8C0A-492E-88D0-FF4801F1A826}"/>
+              </a:ext>
+            </a:extLst>
+          </p:cNvPr>
+          <p:cNvSpPr/>
+          <p:nvPr/>
+        </p:nvSpPr>
+        <p:spPr>
+          <a:xfrm>
+            <a:off x="5921833" y="3644748"/>
+            <a:ext cx="3002711" cy="202897"/>
+          </a:xfrm>
+          <a:prstGeom prst="rect">
+            <a:avLst/>
+          </a:prstGeom>
+          <a:noFill/>
+          <a:ln w="28575">
+            <a:solidFill>
+              <a:srgbClr val="FF0000"/>
+            </a:solidFill>
+          </a:ln>
+        </p:spPr>
+        <p:style>
+          <a:lnRef idx="2">
+            <a:schemeClr val="accent1">
+              <a:shade val="50000"/>
+            </a:schemeClr>
+          </a:lnRef>
+          <a:fillRef idx="1">
+            <a:schemeClr val="accent1"/>
+          </a:fillRef>
+          <a:effectRef idx="0">
+            <a:schemeClr val="accent1"/>
+          </a:effectRef>
+          <a:fontRef idx="minor">
+            <a:schemeClr val="lt1"/>
+          </a:fontRef>
+        </p:style>
+        <p:txBody>
+          <a:bodyPr rtlCol="0" anchor="ctr"/>
+          <a:lstStyle/>
+          <a:p>
+            <a:pPr algn="ctr"/>
+            <a:endParaRPr lang="ko-KR" altLang="en-US" dirty="0"/>
+          </a:p>
+        </p:txBody>
+      </p:sp>
     </p:spTree>
     <p:extLst>
       <p:ext uri="{BB962C8B-B14F-4D97-AF65-F5344CB8AC3E}">
@@ -30400,12 +30504,12 @@
               <a:buChar char="ü"/>
             </a:pPr>
             <a:r>
-              <a:rPr lang="en-US" altLang="ko-KR" sz="2400" dirty="0" smtClean="0">
+              <a:rPr lang="ko-KR" altLang="en-US" sz="2400" dirty="0" smtClean="0">
                 <a:latin typeface="맑은 고딕"/>
                 <a:ea typeface="맑은 고딕"/>
                 <a:cs typeface="맑은 고딕"/>
               </a:rPr>
-              <a:t>SVM</a:t>
+              <a:t>이미지 </a:t>
             </a:r>
             <a:r>
               <a:rPr lang="ko-KR" altLang="en-US" sz="2400" smtClean="0">
@@ -30413,18 +30517,37 @@
                 <a:ea typeface="맑은 고딕"/>
                 <a:cs typeface="맑은 고딕"/>
               </a:rPr>
-              <a:t>에 비해 일반적으로 </a:t>
-            </a:r>
-            <a:r>
-              <a:rPr lang="ko-KR" altLang="en-US" sz="2400" b="1" dirty="0">
-                <a:solidFill>
-                  <a:srgbClr val="00B050"/>
-                </a:solidFill>
+              <a:t>분류에 </a:t>
+            </a:r>
+            <a:r>
+              <a:rPr lang="ko-KR" altLang="en-US" sz="2400" smtClean="0">
                 <a:latin typeface="맑은 고딕"/>
                 <a:ea typeface="맑은 고딕"/>
                 <a:cs typeface="맑은 고딕"/>
               </a:rPr>
-              <a:t>정확성이 더 높은 </a:t>
+              <a:t>적합하고 </a:t>
+            </a:r>
+            <a:r>
+              <a:rPr lang="ko-KR" altLang="en-US" sz="2400" b="1" smtClean="0">
+                <a:solidFill>
+                  <a:srgbClr val="00B050"/>
+                </a:solidFill>
+                <a:latin typeface="맑은 고딕"/>
+                <a:ea typeface="맑은 고딕"/>
+                <a:cs typeface="맑은 고딕"/>
+              </a:rPr>
+              <a:t>정확성이 </a:t>
+            </a:r>
+            <a:r>
+              <a:rPr lang="ko-KR" altLang="en-US" sz="2400" b="1" dirty="0">
+                <a:solidFill>
+                  <a:srgbClr val="00B050"/>
+                </a:solidFill>
+                <a:latin typeface="맑은 고딕"/>
+                <a:ea typeface="맑은 고딕"/>
+                <a:cs typeface="맑은 고딕"/>
+              </a:rPr>
+              <a:t>더 높은 </a:t>
             </a:r>
             <a:r>
               <a:rPr lang="en-US" altLang="ko-KR" sz="2400" b="1" dirty="0">
